--- a/ppt 16-9/0905.有分离就有相聚.pptx
+++ b/ppt 16-9/0905.有分离就有相聚.pptx
@@ -5,7 +5,7 @@
     <p:sldMasterId id="2147483648" r:id="rId1"/>
   </p:sldMasterIdLst>
   <p:sldIdLst>
-    <p:sldId id="262" r:id="rId2"/>
+    <p:sldId id="263" r:id="rId2"/>
   </p:sldIdLst>
   <p:sldSz cx="12192000" cy="6858000"/>
   <p:notesSz cx="6858000" cy="9144000"/>
@@ -129,7 +129,7 @@
           <p:cNvPr id="2" name="标题 1">
             <a:extLst>
               <a:ext uri="{FF2B5EF4-FFF2-40B4-BE49-F238E27FC236}">
-                <a16:creationId xmlns:a16="http://schemas.microsoft.com/office/drawing/2014/main" id="{F6D21297-B11A-5672-AA93-E5432F65EA7D}"/>
+                <a16:creationId xmlns:a16="http://schemas.microsoft.com/office/drawing/2014/main" id="{47A08D7C-8A3E-F371-9C7B-94046842A775}"/>
               </a:ext>
             </a:extLst>
           </p:cNvPr>
@@ -166,7 +166,7 @@
           <p:cNvPr id="3" name="副标题 2">
             <a:extLst>
               <a:ext uri="{FF2B5EF4-FFF2-40B4-BE49-F238E27FC236}">
-                <a16:creationId xmlns:a16="http://schemas.microsoft.com/office/drawing/2014/main" id="{EE7FE562-0022-F36A-D61B-ACD41D1DFAF8}"/>
+                <a16:creationId xmlns:a16="http://schemas.microsoft.com/office/drawing/2014/main" id="{D7CF8745-9227-2B91-8670-6062F650A0DE}"/>
               </a:ext>
             </a:extLst>
           </p:cNvPr>
@@ -236,7 +236,7 @@
           <p:cNvPr id="4" name="日期占位符 3">
             <a:extLst>
               <a:ext uri="{FF2B5EF4-FFF2-40B4-BE49-F238E27FC236}">
-                <a16:creationId xmlns:a16="http://schemas.microsoft.com/office/drawing/2014/main" id="{A1E43589-293B-F64B-0BD8-FEFB29A73908}"/>
+                <a16:creationId xmlns:a16="http://schemas.microsoft.com/office/drawing/2014/main" id="{095E7C50-373A-0596-0350-F08FDEAA450F}"/>
               </a:ext>
             </a:extLst>
           </p:cNvPr>
@@ -252,7 +252,7 @@
           <a:bodyPr/>
           <a:lstStyle/>
           <a:p>
-            <a:fld id="{094C358A-BF07-4256-8CCA-CD74960FE64A}" type="datetimeFigureOut">
+            <a:fld id="{EB042C7B-7ECC-4508-8F65-FE41EF6D8E46}" type="datetimeFigureOut">
               <a:rPr lang="zh-CN" altLang="en-US" smtClean="0"/>
               <a:t>2024/3/10</a:t>
             </a:fld>
@@ -265,7 +265,7 @@
           <p:cNvPr id="5" name="页脚占位符 4">
             <a:extLst>
               <a:ext uri="{FF2B5EF4-FFF2-40B4-BE49-F238E27FC236}">
-                <a16:creationId xmlns:a16="http://schemas.microsoft.com/office/drawing/2014/main" id="{B34CF235-5367-E53C-F4B8-D00A51A4095C}"/>
+                <a16:creationId xmlns:a16="http://schemas.microsoft.com/office/drawing/2014/main" id="{DE84F922-BAB6-0576-E084-4CF9284104A7}"/>
               </a:ext>
             </a:extLst>
           </p:cNvPr>
@@ -290,7 +290,7 @@
           <p:cNvPr id="6" name="灯片编号占位符 5">
             <a:extLst>
               <a:ext uri="{FF2B5EF4-FFF2-40B4-BE49-F238E27FC236}">
-                <a16:creationId xmlns:a16="http://schemas.microsoft.com/office/drawing/2014/main" id="{1412A154-1EE0-5C24-4154-3C2D7F1B1D6E}"/>
+                <a16:creationId xmlns:a16="http://schemas.microsoft.com/office/drawing/2014/main" id="{4B8D57B8-53E0-ED36-5BE3-DA4E66D9C182}"/>
               </a:ext>
             </a:extLst>
           </p:cNvPr>
@@ -306,7 +306,7 @@
           <a:bodyPr/>
           <a:lstStyle/>
           <a:p>
-            <a:fld id="{03B988AA-9CCE-4D04-AAA4-E385FC2943C3}" type="slidenum">
+            <a:fld id="{B4D749C8-B891-407E-80BA-1FADAE5730D9}" type="slidenum">
               <a:rPr lang="zh-CN" altLang="en-US" smtClean="0"/>
               <a:t>‹#›</a:t>
             </a:fld>
@@ -317,7 +317,7 @@
     </p:spTree>
     <p:extLst>
       <p:ext uri="{BB962C8B-B14F-4D97-AF65-F5344CB8AC3E}">
-        <p14:creationId xmlns:p14="http://schemas.microsoft.com/office/powerpoint/2010/main" val="2605299235"/>
+        <p14:creationId xmlns:p14="http://schemas.microsoft.com/office/powerpoint/2010/main" val="783333789"/>
       </p:ext>
     </p:extLst>
   </p:cSld>
@@ -349,7 +349,7 @@
           <p:cNvPr id="2" name="标题 1">
             <a:extLst>
               <a:ext uri="{FF2B5EF4-FFF2-40B4-BE49-F238E27FC236}">
-                <a16:creationId xmlns:a16="http://schemas.microsoft.com/office/drawing/2014/main" id="{59B19D46-1A7D-2BE4-EC89-CF8AD48C8BC1}"/>
+                <a16:creationId xmlns:a16="http://schemas.microsoft.com/office/drawing/2014/main" id="{9412CEE3-C2B8-00FB-F77F-71E7D1467338}"/>
               </a:ext>
             </a:extLst>
           </p:cNvPr>
@@ -377,7 +377,7 @@
           <p:cNvPr id="3" name="竖排文字占位符 2">
             <a:extLst>
               <a:ext uri="{FF2B5EF4-FFF2-40B4-BE49-F238E27FC236}">
-                <a16:creationId xmlns:a16="http://schemas.microsoft.com/office/drawing/2014/main" id="{E93CDDAC-7377-E1A7-0EB1-7242E89D3C35}"/>
+                <a16:creationId xmlns:a16="http://schemas.microsoft.com/office/drawing/2014/main" id="{0906D2F7-ED65-79B7-9DBC-AB55BC564052}"/>
               </a:ext>
             </a:extLst>
           </p:cNvPr>
@@ -434,7 +434,7 @@
           <p:cNvPr id="4" name="日期占位符 3">
             <a:extLst>
               <a:ext uri="{FF2B5EF4-FFF2-40B4-BE49-F238E27FC236}">
-                <a16:creationId xmlns:a16="http://schemas.microsoft.com/office/drawing/2014/main" id="{9D51E5F0-971E-4ADE-310D-44A2FED3D709}"/>
+                <a16:creationId xmlns:a16="http://schemas.microsoft.com/office/drawing/2014/main" id="{D8BB86E5-350F-89A2-5DA2-D5938AC5641D}"/>
               </a:ext>
             </a:extLst>
           </p:cNvPr>
@@ -450,7 +450,7 @@
           <a:bodyPr/>
           <a:lstStyle/>
           <a:p>
-            <a:fld id="{094C358A-BF07-4256-8CCA-CD74960FE64A}" type="datetimeFigureOut">
+            <a:fld id="{EB042C7B-7ECC-4508-8F65-FE41EF6D8E46}" type="datetimeFigureOut">
               <a:rPr lang="zh-CN" altLang="en-US" smtClean="0"/>
               <a:t>2024/3/10</a:t>
             </a:fld>
@@ -463,7 +463,7 @@
           <p:cNvPr id="5" name="页脚占位符 4">
             <a:extLst>
               <a:ext uri="{FF2B5EF4-FFF2-40B4-BE49-F238E27FC236}">
-                <a16:creationId xmlns:a16="http://schemas.microsoft.com/office/drawing/2014/main" id="{587A5EB2-3F14-6078-66C8-EF3B26F56857}"/>
+                <a16:creationId xmlns:a16="http://schemas.microsoft.com/office/drawing/2014/main" id="{EA1AFB19-DEED-D90B-2C82-FE4CC6B59334}"/>
               </a:ext>
             </a:extLst>
           </p:cNvPr>
@@ -488,7 +488,7 @@
           <p:cNvPr id="6" name="灯片编号占位符 5">
             <a:extLst>
               <a:ext uri="{FF2B5EF4-FFF2-40B4-BE49-F238E27FC236}">
-                <a16:creationId xmlns:a16="http://schemas.microsoft.com/office/drawing/2014/main" id="{046492DF-04A1-1284-F050-56418667F61F}"/>
+                <a16:creationId xmlns:a16="http://schemas.microsoft.com/office/drawing/2014/main" id="{A0D1476E-15A6-3E2F-5B23-19462EBAD1A5}"/>
               </a:ext>
             </a:extLst>
           </p:cNvPr>
@@ -504,7 +504,7 @@
           <a:bodyPr/>
           <a:lstStyle/>
           <a:p>
-            <a:fld id="{03B988AA-9CCE-4D04-AAA4-E385FC2943C3}" type="slidenum">
+            <a:fld id="{B4D749C8-B891-407E-80BA-1FADAE5730D9}" type="slidenum">
               <a:rPr lang="zh-CN" altLang="en-US" smtClean="0"/>
               <a:t>‹#›</a:t>
             </a:fld>
@@ -515,7 +515,7 @@
     </p:spTree>
     <p:extLst>
       <p:ext uri="{BB962C8B-B14F-4D97-AF65-F5344CB8AC3E}">
-        <p14:creationId xmlns:p14="http://schemas.microsoft.com/office/powerpoint/2010/main" val="778870030"/>
+        <p14:creationId xmlns:p14="http://schemas.microsoft.com/office/powerpoint/2010/main" val="1240035750"/>
       </p:ext>
     </p:extLst>
   </p:cSld>
@@ -547,7 +547,7 @@
           <p:cNvPr id="2" name="竖排标题 1">
             <a:extLst>
               <a:ext uri="{FF2B5EF4-FFF2-40B4-BE49-F238E27FC236}">
-                <a16:creationId xmlns:a16="http://schemas.microsoft.com/office/drawing/2014/main" id="{27F3D6D6-5213-4F44-7F93-E059ED14F7BB}"/>
+                <a16:creationId xmlns:a16="http://schemas.microsoft.com/office/drawing/2014/main" id="{FD1BF266-5FF3-8C3D-EAA2-08F29497E2B5}"/>
               </a:ext>
             </a:extLst>
           </p:cNvPr>
@@ -580,7 +580,7 @@
           <p:cNvPr id="3" name="竖排文字占位符 2">
             <a:extLst>
               <a:ext uri="{FF2B5EF4-FFF2-40B4-BE49-F238E27FC236}">
-                <a16:creationId xmlns:a16="http://schemas.microsoft.com/office/drawing/2014/main" id="{8364345E-A1CB-5E9F-E316-3A3E15A3EBF2}"/>
+                <a16:creationId xmlns:a16="http://schemas.microsoft.com/office/drawing/2014/main" id="{361A7387-B4CF-7FAD-FB3A-F63C0E9F60E2}"/>
               </a:ext>
             </a:extLst>
           </p:cNvPr>
@@ -642,7 +642,7 @@
           <p:cNvPr id="4" name="日期占位符 3">
             <a:extLst>
               <a:ext uri="{FF2B5EF4-FFF2-40B4-BE49-F238E27FC236}">
-                <a16:creationId xmlns:a16="http://schemas.microsoft.com/office/drawing/2014/main" id="{C4B7A442-9C99-080B-320A-4ED99E08BF72}"/>
+                <a16:creationId xmlns:a16="http://schemas.microsoft.com/office/drawing/2014/main" id="{B8FC93EA-1E04-AA33-E4BB-5AF7AC1C5BBF}"/>
               </a:ext>
             </a:extLst>
           </p:cNvPr>
@@ -658,7 +658,7 @@
           <a:bodyPr/>
           <a:lstStyle/>
           <a:p>
-            <a:fld id="{094C358A-BF07-4256-8CCA-CD74960FE64A}" type="datetimeFigureOut">
+            <a:fld id="{EB042C7B-7ECC-4508-8F65-FE41EF6D8E46}" type="datetimeFigureOut">
               <a:rPr lang="zh-CN" altLang="en-US" smtClean="0"/>
               <a:t>2024/3/10</a:t>
             </a:fld>
@@ -671,7 +671,7 @@
           <p:cNvPr id="5" name="页脚占位符 4">
             <a:extLst>
               <a:ext uri="{FF2B5EF4-FFF2-40B4-BE49-F238E27FC236}">
-                <a16:creationId xmlns:a16="http://schemas.microsoft.com/office/drawing/2014/main" id="{9677DEDF-0142-5E2E-F68A-3CDDF346620B}"/>
+                <a16:creationId xmlns:a16="http://schemas.microsoft.com/office/drawing/2014/main" id="{A68C3FEF-6448-C94F-104F-A62A5DE70D36}"/>
               </a:ext>
             </a:extLst>
           </p:cNvPr>
@@ -696,7 +696,7 @@
           <p:cNvPr id="6" name="灯片编号占位符 5">
             <a:extLst>
               <a:ext uri="{FF2B5EF4-FFF2-40B4-BE49-F238E27FC236}">
-                <a16:creationId xmlns:a16="http://schemas.microsoft.com/office/drawing/2014/main" id="{C9290A45-C18A-045F-4310-A73E83E2FF58}"/>
+                <a16:creationId xmlns:a16="http://schemas.microsoft.com/office/drawing/2014/main" id="{B9ED1F9A-10CB-82D0-9AE5-5AC7242CF15E}"/>
               </a:ext>
             </a:extLst>
           </p:cNvPr>
@@ -712,7 +712,7 @@
           <a:bodyPr/>
           <a:lstStyle/>
           <a:p>
-            <a:fld id="{03B988AA-9CCE-4D04-AAA4-E385FC2943C3}" type="slidenum">
+            <a:fld id="{B4D749C8-B891-407E-80BA-1FADAE5730D9}" type="slidenum">
               <a:rPr lang="zh-CN" altLang="en-US" smtClean="0"/>
               <a:t>‹#›</a:t>
             </a:fld>
@@ -723,7 +723,7 @@
     </p:spTree>
     <p:extLst>
       <p:ext uri="{BB962C8B-B14F-4D97-AF65-F5344CB8AC3E}">
-        <p14:creationId xmlns:p14="http://schemas.microsoft.com/office/powerpoint/2010/main" val="14867073"/>
+        <p14:creationId xmlns:p14="http://schemas.microsoft.com/office/powerpoint/2010/main" val="1124913898"/>
       </p:ext>
     </p:extLst>
   </p:cSld>
@@ -755,7 +755,7 @@
           <p:cNvPr id="2" name="标题 1">
             <a:extLst>
               <a:ext uri="{FF2B5EF4-FFF2-40B4-BE49-F238E27FC236}">
-                <a16:creationId xmlns:a16="http://schemas.microsoft.com/office/drawing/2014/main" id="{22B86676-5B34-3FDA-35FC-33705E181E65}"/>
+                <a16:creationId xmlns:a16="http://schemas.microsoft.com/office/drawing/2014/main" id="{21EE72E1-5E9D-2407-628D-F725E4015D22}"/>
               </a:ext>
             </a:extLst>
           </p:cNvPr>
@@ -783,7 +783,7 @@
           <p:cNvPr id="3" name="内容占位符 2">
             <a:extLst>
               <a:ext uri="{FF2B5EF4-FFF2-40B4-BE49-F238E27FC236}">
-                <a16:creationId xmlns:a16="http://schemas.microsoft.com/office/drawing/2014/main" id="{2145E2E2-B95D-D9D0-0307-52B3183A4168}"/>
+                <a16:creationId xmlns:a16="http://schemas.microsoft.com/office/drawing/2014/main" id="{8D0678EB-EC49-CF34-3DEE-6905B5CC159C}"/>
               </a:ext>
             </a:extLst>
           </p:cNvPr>
@@ -840,7 +840,7 @@
           <p:cNvPr id="4" name="日期占位符 3">
             <a:extLst>
               <a:ext uri="{FF2B5EF4-FFF2-40B4-BE49-F238E27FC236}">
-                <a16:creationId xmlns:a16="http://schemas.microsoft.com/office/drawing/2014/main" id="{1DFFA6BF-D57C-D18E-C410-034CF470DD7F}"/>
+                <a16:creationId xmlns:a16="http://schemas.microsoft.com/office/drawing/2014/main" id="{1D1862F9-65FC-F803-AB99-4CAC900EAA80}"/>
               </a:ext>
             </a:extLst>
           </p:cNvPr>
@@ -856,7 +856,7 @@
           <a:bodyPr/>
           <a:lstStyle/>
           <a:p>
-            <a:fld id="{094C358A-BF07-4256-8CCA-CD74960FE64A}" type="datetimeFigureOut">
+            <a:fld id="{EB042C7B-7ECC-4508-8F65-FE41EF6D8E46}" type="datetimeFigureOut">
               <a:rPr lang="zh-CN" altLang="en-US" smtClean="0"/>
               <a:t>2024/3/10</a:t>
             </a:fld>
@@ -869,7 +869,7 @@
           <p:cNvPr id="5" name="页脚占位符 4">
             <a:extLst>
               <a:ext uri="{FF2B5EF4-FFF2-40B4-BE49-F238E27FC236}">
-                <a16:creationId xmlns:a16="http://schemas.microsoft.com/office/drawing/2014/main" id="{9117FF9D-C394-69AB-EA45-4E34ACB4D5A3}"/>
+                <a16:creationId xmlns:a16="http://schemas.microsoft.com/office/drawing/2014/main" id="{271E1E60-E99C-DE14-CF61-C2CFE79C07F8}"/>
               </a:ext>
             </a:extLst>
           </p:cNvPr>
@@ -894,7 +894,7 @@
           <p:cNvPr id="6" name="灯片编号占位符 5">
             <a:extLst>
               <a:ext uri="{FF2B5EF4-FFF2-40B4-BE49-F238E27FC236}">
-                <a16:creationId xmlns:a16="http://schemas.microsoft.com/office/drawing/2014/main" id="{73AEC576-C7A7-B3A3-129D-B48F2DA1ED9D}"/>
+                <a16:creationId xmlns:a16="http://schemas.microsoft.com/office/drawing/2014/main" id="{7E93BC62-88A7-3D33-3354-2CC0C42D85F8}"/>
               </a:ext>
             </a:extLst>
           </p:cNvPr>
@@ -910,7 +910,7 @@
           <a:bodyPr/>
           <a:lstStyle/>
           <a:p>
-            <a:fld id="{03B988AA-9CCE-4D04-AAA4-E385FC2943C3}" type="slidenum">
+            <a:fld id="{B4D749C8-B891-407E-80BA-1FADAE5730D9}" type="slidenum">
               <a:rPr lang="zh-CN" altLang="en-US" smtClean="0"/>
               <a:t>‹#›</a:t>
             </a:fld>
@@ -921,7 +921,7 @@
     </p:spTree>
     <p:extLst>
       <p:ext uri="{BB962C8B-B14F-4D97-AF65-F5344CB8AC3E}">
-        <p14:creationId xmlns:p14="http://schemas.microsoft.com/office/powerpoint/2010/main" val="2488263879"/>
+        <p14:creationId xmlns:p14="http://schemas.microsoft.com/office/powerpoint/2010/main" val="909564897"/>
       </p:ext>
     </p:extLst>
   </p:cSld>
@@ -953,7 +953,7 @@
           <p:cNvPr id="2" name="标题 1">
             <a:extLst>
               <a:ext uri="{FF2B5EF4-FFF2-40B4-BE49-F238E27FC236}">
-                <a16:creationId xmlns:a16="http://schemas.microsoft.com/office/drawing/2014/main" id="{09B4C8C3-40D3-DAF0-FEE5-C53B7DAA8A25}"/>
+                <a16:creationId xmlns:a16="http://schemas.microsoft.com/office/drawing/2014/main" id="{0462CF7F-8A0A-6B71-767F-D52E5EDF6DCF}"/>
               </a:ext>
             </a:extLst>
           </p:cNvPr>
@@ -990,7 +990,7 @@
           <p:cNvPr id="3" name="文本占位符 2">
             <a:extLst>
               <a:ext uri="{FF2B5EF4-FFF2-40B4-BE49-F238E27FC236}">
-                <a16:creationId xmlns:a16="http://schemas.microsoft.com/office/drawing/2014/main" id="{E55CA5D3-DB97-4001-C5A5-22A38697EF77}"/>
+                <a16:creationId xmlns:a16="http://schemas.microsoft.com/office/drawing/2014/main" id="{56DA4684-E4B0-D3A1-0BF3-D52F1D3B235F}"/>
               </a:ext>
             </a:extLst>
           </p:cNvPr>
@@ -1115,7 +1115,7 @@
           <p:cNvPr id="4" name="日期占位符 3">
             <a:extLst>
               <a:ext uri="{FF2B5EF4-FFF2-40B4-BE49-F238E27FC236}">
-                <a16:creationId xmlns:a16="http://schemas.microsoft.com/office/drawing/2014/main" id="{815A730F-D18C-45BB-64F1-0AE0544B3AB3}"/>
+                <a16:creationId xmlns:a16="http://schemas.microsoft.com/office/drawing/2014/main" id="{B81098CC-9492-BD0A-6F55-1EE944266E99}"/>
               </a:ext>
             </a:extLst>
           </p:cNvPr>
@@ -1131,7 +1131,7 @@
           <a:bodyPr/>
           <a:lstStyle/>
           <a:p>
-            <a:fld id="{094C358A-BF07-4256-8CCA-CD74960FE64A}" type="datetimeFigureOut">
+            <a:fld id="{EB042C7B-7ECC-4508-8F65-FE41EF6D8E46}" type="datetimeFigureOut">
               <a:rPr lang="zh-CN" altLang="en-US" smtClean="0"/>
               <a:t>2024/3/10</a:t>
             </a:fld>
@@ -1144,7 +1144,7 @@
           <p:cNvPr id="5" name="页脚占位符 4">
             <a:extLst>
               <a:ext uri="{FF2B5EF4-FFF2-40B4-BE49-F238E27FC236}">
-                <a16:creationId xmlns:a16="http://schemas.microsoft.com/office/drawing/2014/main" id="{B6B4FA6E-30BD-4AE2-A50A-C8224E2F23EB}"/>
+                <a16:creationId xmlns:a16="http://schemas.microsoft.com/office/drawing/2014/main" id="{16D52972-6C3A-9633-51AB-39F842325A02}"/>
               </a:ext>
             </a:extLst>
           </p:cNvPr>
@@ -1169,7 +1169,7 @@
           <p:cNvPr id="6" name="灯片编号占位符 5">
             <a:extLst>
               <a:ext uri="{FF2B5EF4-FFF2-40B4-BE49-F238E27FC236}">
-                <a16:creationId xmlns:a16="http://schemas.microsoft.com/office/drawing/2014/main" id="{B65CA9ED-B36E-1DEC-E4A5-4706516AB86A}"/>
+                <a16:creationId xmlns:a16="http://schemas.microsoft.com/office/drawing/2014/main" id="{09A6C862-67E4-C240-90E7-646EDEA200DF}"/>
               </a:ext>
             </a:extLst>
           </p:cNvPr>
@@ -1185,7 +1185,7 @@
           <a:bodyPr/>
           <a:lstStyle/>
           <a:p>
-            <a:fld id="{03B988AA-9CCE-4D04-AAA4-E385FC2943C3}" type="slidenum">
+            <a:fld id="{B4D749C8-B891-407E-80BA-1FADAE5730D9}" type="slidenum">
               <a:rPr lang="zh-CN" altLang="en-US" smtClean="0"/>
               <a:t>‹#›</a:t>
             </a:fld>
@@ -1196,7 +1196,7 @@
     </p:spTree>
     <p:extLst>
       <p:ext uri="{BB962C8B-B14F-4D97-AF65-F5344CB8AC3E}">
-        <p14:creationId xmlns:p14="http://schemas.microsoft.com/office/powerpoint/2010/main" val="4121262622"/>
+        <p14:creationId xmlns:p14="http://schemas.microsoft.com/office/powerpoint/2010/main" val="71164204"/>
       </p:ext>
     </p:extLst>
   </p:cSld>
@@ -1228,7 +1228,7 @@
           <p:cNvPr id="2" name="标题 1">
             <a:extLst>
               <a:ext uri="{FF2B5EF4-FFF2-40B4-BE49-F238E27FC236}">
-                <a16:creationId xmlns:a16="http://schemas.microsoft.com/office/drawing/2014/main" id="{29D5713F-2A5D-0FF7-F19A-D89AB32042E3}"/>
+                <a16:creationId xmlns:a16="http://schemas.microsoft.com/office/drawing/2014/main" id="{94BA73F1-F9DC-A03C-243B-C144B277D8EC}"/>
               </a:ext>
             </a:extLst>
           </p:cNvPr>
@@ -1256,7 +1256,7 @@
           <p:cNvPr id="3" name="内容占位符 2">
             <a:extLst>
               <a:ext uri="{FF2B5EF4-FFF2-40B4-BE49-F238E27FC236}">
-                <a16:creationId xmlns:a16="http://schemas.microsoft.com/office/drawing/2014/main" id="{A59BB96A-1C82-A606-40A0-D09DC4AC3CDD}"/>
+                <a16:creationId xmlns:a16="http://schemas.microsoft.com/office/drawing/2014/main" id="{CD08E0B4-73C7-DCD2-4C8D-96FA68006D5A}"/>
               </a:ext>
             </a:extLst>
           </p:cNvPr>
@@ -1318,7 +1318,7 @@
           <p:cNvPr id="4" name="内容占位符 3">
             <a:extLst>
               <a:ext uri="{FF2B5EF4-FFF2-40B4-BE49-F238E27FC236}">
-                <a16:creationId xmlns:a16="http://schemas.microsoft.com/office/drawing/2014/main" id="{B7421324-A129-D9D9-2CB1-F7034504F741}"/>
+                <a16:creationId xmlns:a16="http://schemas.microsoft.com/office/drawing/2014/main" id="{E1D9A611-6309-A03C-A229-BCB946BDBDD8}"/>
               </a:ext>
             </a:extLst>
           </p:cNvPr>
@@ -1380,7 +1380,7 @@
           <p:cNvPr id="5" name="日期占位符 4">
             <a:extLst>
               <a:ext uri="{FF2B5EF4-FFF2-40B4-BE49-F238E27FC236}">
-                <a16:creationId xmlns:a16="http://schemas.microsoft.com/office/drawing/2014/main" id="{AEC3D4A2-DC88-7FC4-67BB-20915BCD7FFC}"/>
+                <a16:creationId xmlns:a16="http://schemas.microsoft.com/office/drawing/2014/main" id="{17087419-A5A8-6500-F909-79AAC8965569}"/>
               </a:ext>
             </a:extLst>
           </p:cNvPr>
@@ -1396,7 +1396,7 @@
           <a:bodyPr/>
           <a:lstStyle/>
           <a:p>
-            <a:fld id="{094C358A-BF07-4256-8CCA-CD74960FE64A}" type="datetimeFigureOut">
+            <a:fld id="{EB042C7B-7ECC-4508-8F65-FE41EF6D8E46}" type="datetimeFigureOut">
               <a:rPr lang="zh-CN" altLang="en-US" smtClean="0"/>
               <a:t>2024/3/10</a:t>
             </a:fld>
@@ -1409,7 +1409,7 @@
           <p:cNvPr id="6" name="页脚占位符 5">
             <a:extLst>
               <a:ext uri="{FF2B5EF4-FFF2-40B4-BE49-F238E27FC236}">
-                <a16:creationId xmlns:a16="http://schemas.microsoft.com/office/drawing/2014/main" id="{5D963BFB-9C61-2296-C14A-B37990797925}"/>
+                <a16:creationId xmlns:a16="http://schemas.microsoft.com/office/drawing/2014/main" id="{7D70B841-9D76-9846-9621-2A337D57F2A8}"/>
               </a:ext>
             </a:extLst>
           </p:cNvPr>
@@ -1434,7 +1434,7 @@
           <p:cNvPr id="7" name="灯片编号占位符 6">
             <a:extLst>
               <a:ext uri="{FF2B5EF4-FFF2-40B4-BE49-F238E27FC236}">
-                <a16:creationId xmlns:a16="http://schemas.microsoft.com/office/drawing/2014/main" id="{A22D86D3-A7B2-CC20-AD8E-304364800F9E}"/>
+                <a16:creationId xmlns:a16="http://schemas.microsoft.com/office/drawing/2014/main" id="{C7F75326-B63D-04F3-4FB4-8C59ED70A6A4}"/>
               </a:ext>
             </a:extLst>
           </p:cNvPr>
@@ -1450,7 +1450,7 @@
           <a:bodyPr/>
           <a:lstStyle/>
           <a:p>
-            <a:fld id="{03B988AA-9CCE-4D04-AAA4-E385FC2943C3}" type="slidenum">
+            <a:fld id="{B4D749C8-B891-407E-80BA-1FADAE5730D9}" type="slidenum">
               <a:rPr lang="zh-CN" altLang="en-US" smtClean="0"/>
               <a:t>‹#›</a:t>
             </a:fld>
@@ -1461,7 +1461,7 @@
     </p:spTree>
     <p:extLst>
       <p:ext uri="{BB962C8B-B14F-4D97-AF65-F5344CB8AC3E}">
-        <p14:creationId xmlns:p14="http://schemas.microsoft.com/office/powerpoint/2010/main" val="2184342767"/>
+        <p14:creationId xmlns:p14="http://schemas.microsoft.com/office/powerpoint/2010/main" val="988818382"/>
       </p:ext>
     </p:extLst>
   </p:cSld>
@@ -1493,7 +1493,7 @@
           <p:cNvPr id="2" name="标题 1">
             <a:extLst>
               <a:ext uri="{FF2B5EF4-FFF2-40B4-BE49-F238E27FC236}">
-                <a16:creationId xmlns:a16="http://schemas.microsoft.com/office/drawing/2014/main" id="{60EED6D7-50E7-0045-E24A-785350C3BB6B}"/>
+                <a16:creationId xmlns:a16="http://schemas.microsoft.com/office/drawing/2014/main" id="{00134223-EC30-A6DB-9F77-D8A8BF4C9848}"/>
               </a:ext>
             </a:extLst>
           </p:cNvPr>
@@ -1526,7 +1526,7 @@
           <p:cNvPr id="3" name="文本占位符 2">
             <a:extLst>
               <a:ext uri="{FF2B5EF4-FFF2-40B4-BE49-F238E27FC236}">
-                <a16:creationId xmlns:a16="http://schemas.microsoft.com/office/drawing/2014/main" id="{146A538D-DB79-C187-7660-35FA79E3EABD}"/>
+                <a16:creationId xmlns:a16="http://schemas.microsoft.com/office/drawing/2014/main" id="{E8A46BC8-ED62-423D-893F-6389B0077A60}"/>
               </a:ext>
             </a:extLst>
           </p:cNvPr>
@@ -1597,7 +1597,7 @@
           <p:cNvPr id="4" name="内容占位符 3">
             <a:extLst>
               <a:ext uri="{FF2B5EF4-FFF2-40B4-BE49-F238E27FC236}">
-                <a16:creationId xmlns:a16="http://schemas.microsoft.com/office/drawing/2014/main" id="{E943740F-2D3E-61F3-9F57-4E6D60A6329B}"/>
+                <a16:creationId xmlns:a16="http://schemas.microsoft.com/office/drawing/2014/main" id="{C223769D-C990-73BB-16FF-C4A6FE9561D7}"/>
               </a:ext>
             </a:extLst>
           </p:cNvPr>
@@ -1659,7 +1659,7 @@
           <p:cNvPr id="5" name="文本占位符 4">
             <a:extLst>
               <a:ext uri="{FF2B5EF4-FFF2-40B4-BE49-F238E27FC236}">
-                <a16:creationId xmlns:a16="http://schemas.microsoft.com/office/drawing/2014/main" id="{0E387363-2DD8-5BEA-0288-234A1B02D365}"/>
+                <a16:creationId xmlns:a16="http://schemas.microsoft.com/office/drawing/2014/main" id="{5C049DAD-C104-39F0-BDD5-D62C93FC3942}"/>
               </a:ext>
             </a:extLst>
           </p:cNvPr>
@@ -1730,7 +1730,7 @@
           <p:cNvPr id="6" name="内容占位符 5">
             <a:extLst>
               <a:ext uri="{FF2B5EF4-FFF2-40B4-BE49-F238E27FC236}">
-                <a16:creationId xmlns:a16="http://schemas.microsoft.com/office/drawing/2014/main" id="{CC70EB0E-3BDE-1213-D7CE-34AF796F82B8}"/>
+                <a16:creationId xmlns:a16="http://schemas.microsoft.com/office/drawing/2014/main" id="{057A03A0-843D-1F2C-8DA2-5E44384F64BD}"/>
               </a:ext>
             </a:extLst>
           </p:cNvPr>
@@ -1792,7 +1792,7 @@
           <p:cNvPr id="7" name="日期占位符 6">
             <a:extLst>
               <a:ext uri="{FF2B5EF4-FFF2-40B4-BE49-F238E27FC236}">
-                <a16:creationId xmlns:a16="http://schemas.microsoft.com/office/drawing/2014/main" id="{AFA328C4-9DE1-80E7-A0B8-AB0C45041C7C}"/>
+                <a16:creationId xmlns:a16="http://schemas.microsoft.com/office/drawing/2014/main" id="{1C3CFB6B-ECC9-D70C-910D-7D4577B99944}"/>
               </a:ext>
             </a:extLst>
           </p:cNvPr>
@@ -1808,7 +1808,7 @@
           <a:bodyPr/>
           <a:lstStyle/>
           <a:p>
-            <a:fld id="{094C358A-BF07-4256-8CCA-CD74960FE64A}" type="datetimeFigureOut">
+            <a:fld id="{EB042C7B-7ECC-4508-8F65-FE41EF6D8E46}" type="datetimeFigureOut">
               <a:rPr lang="zh-CN" altLang="en-US" smtClean="0"/>
               <a:t>2024/3/10</a:t>
             </a:fld>
@@ -1821,7 +1821,7 @@
           <p:cNvPr id="8" name="页脚占位符 7">
             <a:extLst>
               <a:ext uri="{FF2B5EF4-FFF2-40B4-BE49-F238E27FC236}">
-                <a16:creationId xmlns:a16="http://schemas.microsoft.com/office/drawing/2014/main" id="{20B521BF-EF29-7859-0234-7F4A0B505842}"/>
+                <a16:creationId xmlns:a16="http://schemas.microsoft.com/office/drawing/2014/main" id="{F75F5244-5791-FCC5-A123-FE4875449822}"/>
               </a:ext>
             </a:extLst>
           </p:cNvPr>
@@ -1846,7 +1846,7 @@
           <p:cNvPr id="9" name="灯片编号占位符 8">
             <a:extLst>
               <a:ext uri="{FF2B5EF4-FFF2-40B4-BE49-F238E27FC236}">
-                <a16:creationId xmlns:a16="http://schemas.microsoft.com/office/drawing/2014/main" id="{CD28B272-766A-1514-BC50-DC2444C82A7E}"/>
+                <a16:creationId xmlns:a16="http://schemas.microsoft.com/office/drawing/2014/main" id="{93B69568-751A-6789-D73B-11F14953078D}"/>
               </a:ext>
             </a:extLst>
           </p:cNvPr>
@@ -1862,7 +1862,7 @@
           <a:bodyPr/>
           <a:lstStyle/>
           <a:p>
-            <a:fld id="{03B988AA-9CCE-4D04-AAA4-E385FC2943C3}" type="slidenum">
+            <a:fld id="{B4D749C8-B891-407E-80BA-1FADAE5730D9}" type="slidenum">
               <a:rPr lang="zh-CN" altLang="en-US" smtClean="0"/>
               <a:t>‹#›</a:t>
             </a:fld>
@@ -1873,7 +1873,7 @@
     </p:spTree>
     <p:extLst>
       <p:ext uri="{BB962C8B-B14F-4D97-AF65-F5344CB8AC3E}">
-        <p14:creationId xmlns:p14="http://schemas.microsoft.com/office/powerpoint/2010/main" val="1896659807"/>
+        <p14:creationId xmlns:p14="http://schemas.microsoft.com/office/powerpoint/2010/main" val="3251635858"/>
       </p:ext>
     </p:extLst>
   </p:cSld>
@@ -1905,7 +1905,7 @@
           <p:cNvPr id="2" name="标题 1">
             <a:extLst>
               <a:ext uri="{FF2B5EF4-FFF2-40B4-BE49-F238E27FC236}">
-                <a16:creationId xmlns:a16="http://schemas.microsoft.com/office/drawing/2014/main" id="{F8FF7935-65D3-9CFE-A567-804DED3B371E}"/>
+                <a16:creationId xmlns:a16="http://schemas.microsoft.com/office/drawing/2014/main" id="{08C97978-6DF5-B69E-BA94-7DD4C1F8E528}"/>
               </a:ext>
             </a:extLst>
           </p:cNvPr>
@@ -1933,7 +1933,7 @@
           <p:cNvPr id="3" name="日期占位符 2">
             <a:extLst>
               <a:ext uri="{FF2B5EF4-FFF2-40B4-BE49-F238E27FC236}">
-                <a16:creationId xmlns:a16="http://schemas.microsoft.com/office/drawing/2014/main" id="{058F1BB5-E37A-7D2A-73BD-BBB4C97238D3}"/>
+                <a16:creationId xmlns:a16="http://schemas.microsoft.com/office/drawing/2014/main" id="{E8A14FB2-D029-E941-AF61-2AEC3241A889}"/>
               </a:ext>
             </a:extLst>
           </p:cNvPr>
@@ -1949,7 +1949,7 @@
           <a:bodyPr/>
           <a:lstStyle/>
           <a:p>
-            <a:fld id="{094C358A-BF07-4256-8CCA-CD74960FE64A}" type="datetimeFigureOut">
+            <a:fld id="{EB042C7B-7ECC-4508-8F65-FE41EF6D8E46}" type="datetimeFigureOut">
               <a:rPr lang="zh-CN" altLang="en-US" smtClean="0"/>
               <a:t>2024/3/10</a:t>
             </a:fld>
@@ -1962,7 +1962,7 @@
           <p:cNvPr id="4" name="页脚占位符 3">
             <a:extLst>
               <a:ext uri="{FF2B5EF4-FFF2-40B4-BE49-F238E27FC236}">
-                <a16:creationId xmlns:a16="http://schemas.microsoft.com/office/drawing/2014/main" id="{07DCE6BD-8BBD-B9D7-0934-08C6BBBFE464}"/>
+                <a16:creationId xmlns:a16="http://schemas.microsoft.com/office/drawing/2014/main" id="{3B699322-EEF5-8DE6-84DE-4E47C294C22D}"/>
               </a:ext>
             </a:extLst>
           </p:cNvPr>
@@ -1987,7 +1987,7 @@
           <p:cNvPr id="5" name="灯片编号占位符 4">
             <a:extLst>
               <a:ext uri="{FF2B5EF4-FFF2-40B4-BE49-F238E27FC236}">
-                <a16:creationId xmlns:a16="http://schemas.microsoft.com/office/drawing/2014/main" id="{AF02DCB8-C8D0-1FE7-42FE-49C921FAA1DB}"/>
+                <a16:creationId xmlns:a16="http://schemas.microsoft.com/office/drawing/2014/main" id="{8D7D0124-206A-4723-5999-1FBE635027F3}"/>
               </a:ext>
             </a:extLst>
           </p:cNvPr>
@@ -2003,7 +2003,7 @@
           <a:bodyPr/>
           <a:lstStyle/>
           <a:p>
-            <a:fld id="{03B988AA-9CCE-4D04-AAA4-E385FC2943C3}" type="slidenum">
+            <a:fld id="{B4D749C8-B891-407E-80BA-1FADAE5730D9}" type="slidenum">
               <a:rPr lang="zh-CN" altLang="en-US" smtClean="0"/>
               <a:t>‹#›</a:t>
             </a:fld>
@@ -2014,7 +2014,7 @@
     </p:spTree>
     <p:extLst>
       <p:ext uri="{BB962C8B-B14F-4D97-AF65-F5344CB8AC3E}">
-        <p14:creationId xmlns:p14="http://schemas.microsoft.com/office/powerpoint/2010/main" val="2192133893"/>
+        <p14:creationId xmlns:p14="http://schemas.microsoft.com/office/powerpoint/2010/main" val="3099578034"/>
       </p:ext>
     </p:extLst>
   </p:cSld>
@@ -2046,7 +2046,7 @@
           <p:cNvPr id="2" name="日期占位符 1">
             <a:extLst>
               <a:ext uri="{FF2B5EF4-FFF2-40B4-BE49-F238E27FC236}">
-                <a16:creationId xmlns:a16="http://schemas.microsoft.com/office/drawing/2014/main" id="{7FF4C2AE-DF57-6298-EA01-6D54CF9AD18A}"/>
+                <a16:creationId xmlns:a16="http://schemas.microsoft.com/office/drawing/2014/main" id="{F3F932E0-42BE-5C54-96CC-0EE08B9E5B05}"/>
               </a:ext>
             </a:extLst>
           </p:cNvPr>
@@ -2062,7 +2062,7 @@
           <a:bodyPr/>
           <a:lstStyle/>
           <a:p>
-            <a:fld id="{094C358A-BF07-4256-8CCA-CD74960FE64A}" type="datetimeFigureOut">
+            <a:fld id="{EB042C7B-7ECC-4508-8F65-FE41EF6D8E46}" type="datetimeFigureOut">
               <a:rPr lang="zh-CN" altLang="en-US" smtClean="0"/>
               <a:t>2024/3/10</a:t>
             </a:fld>
@@ -2075,7 +2075,7 @@
           <p:cNvPr id="3" name="页脚占位符 2">
             <a:extLst>
               <a:ext uri="{FF2B5EF4-FFF2-40B4-BE49-F238E27FC236}">
-                <a16:creationId xmlns:a16="http://schemas.microsoft.com/office/drawing/2014/main" id="{71245EF8-6338-A143-872E-5D2EE7CC6547}"/>
+                <a16:creationId xmlns:a16="http://schemas.microsoft.com/office/drawing/2014/main" id="{AB2F4C05-9901-B9FC-4580-84509D9E1571}"/>
               </a:ext>
             </a:extLst>
           </p:cNvPr>
@@ -2100,7 +2100,7 @@
           <p:cNvPr id="4" name="灯片编号占位符 3">
             <a:extLst>
               <a:ext uri="{FF2B5EF4-FFF2-40B4-BE49-F238E27FC236}">
-                <a16:creationId xmlns:a16="http://schemas.microsoft.com/office/drawing/2014/main" id="{5CEB7344-C0CA-50D6-09FA-9CDEDBFA3535}"/>
+                <a16:creationId xmlns:a16="http://schemas.microsoft.com/office/drawing/2014/main" id="{7C75C055-8230-FD68-7C5E-84D86FC3B0C8}"/>
               </a:ext>
             </a:extLst>
           </p:cNvPr>
@@ -2116,7 +2116,7 @@
           <a:bodyPr/>
           <a:lstStyle/>
           <a:p>
-            <a:fld id="{03B988AA-9CCE-4D04-AAA4-E385FC2943C3}" type="slidenum">
+            <a:fld id="{B4D749C8-B891-407E-80BA-1FADAE5730D9}" type="slidenum">
               <a:rPr lang="zh-CN" altLang="en-US" smtClean="0"/>
               <a:t>‹#›</a:t>
             </a:fld>
@@ -2127,7 +2127,7 @@
     </p:spTree>
     <p:extLst>
       <p:ext uri="{BB962C8B-B14F-4D97-AF65-F5344CB8AC3E}">
-        <p14:creationId xmlns:p14="http://schemas.microsoft.com/office/powerpoint/2010/main" val="4041443227"/>
+        <p14:creationId xmlns:p14="http://schemas.microsoft.com/office/powerpoint/2010/main" val="367952966"/>
       </p:ext>
     </p:extLst>
   </p:cSld>
@@ -2159,7 +2159,7 @@
           <p:cNvPr id="2" name="标题 1">
             <a:extLst>
               <a:ext uri="{FF2B5EF4-FFF2-40B4-BE49-F238E27FC236}">
-                <a16:creationId xmlns:a16="http://schemas.microsoft.com/office/drawing/2014/main" id="{80BB218B-058D-D251-9654-57CC13BA4CA6}"/>
+                <a16:creationId xmlns:a16="http://schemas.microsoft.com/office/drawing/2014/main" id="{D14CD1C1-CC36-973D-3D54-C8610183C09D}"/>
               </a:ext>
             </a:extLst>
           </p:cNvPr>
@@ -2196,7 +2196,7 @@
           <p:cNvPr id="3" name="内容占位符 2">
             <a:extLst>
               <a:ext uri="{FF2B5EF4-FFF2-40B4-BE49-F238E27FC236}">
-                <a16:creationId xmlns:a16="http://schemas.microsoft.com/office/drawing/2014/main" id="{8FBB581C-FE6C-5B09-9656-2195630EB100}"/>
+                <a16:creationId xmlns:a16="http://schemas.microsoft.com/office/drawing/2014/main" id="{2C6FF83D-BF08-56A0-3CD0-72C31C18D09A}"/>
               </a:ext>
             </a:extLst>
           </p:cNvPr>
@@ -2286,7 +2286,7 @@
           <p:cNvPr id="4" name="文本占位符 3">
             <a:extLst>
               <a:ext uri="{FF2B5EF4-FFF2-40B4-BE49-F238E27FC236}">
-                <a16:creationId xmlns:a16="http://schemas.microsoft.com/office/drawing/2014/main" id="{4F50450C-71F0-B1A8-14FF-F4D51D48BCB3}"/>
+                <a16:creationId xmlns:a16="http://schemas.microsoft.com/office/drawing/2014/main" id="{85893C3B-0806-1AD6-A1F9-1BEA86A173B1}"/>
               </a:ext>
             </a:extLst>
           </p:cNvPr>
@@ -2357,7 +2357,7 @@
           <p:cNvPr id="5" name="日期占位符 4">
             <a:extLst>
               <a:ext uri="{FF2B5EF4-FFF2-40B4-BE49-F238E27FC236}">
-                <a16:creationId xmlns:a16="http://schemas.microsoft.com/office/drawing/2014/main" id="{8BC7A533-9095-00C6-6B2B-A8563BDF8DA0}"/>
+                <a16:creationId xmlns:a16="http://schemas.microsoft.com/office/drawing/2014/main" id="{0991985D-DF8C-4D99-92C1-BAFCC2EA08B5}"/>
               </a:ext>
             </a:extLst>
           </p:cNvPr>
@@ -2373,7 +2373,7 @@
           <a:bodyPr/>
           <a:lstStyle/>
           <a:p>
-            <a:fld id="{094C358A-BF07-4256-8CCA-CD74960FE64A}" type="datetimeFigureOut">
+            <a:fld id="{EB042C7B-7ECC-4508-8F65-FE41EF6D8E46}" type="datetimeFigureOut">
               <a:rPr lang="zh-CN" altLang="en-US" smtClean="0"/>
               <a:t>2024/3/10</a:t>
             </a:fld>
@@ -2386,7 +2386,7 @@
           <p:cNvPr id="6" name="页脚占位符 5">
             <a:extLst>
               <a:ext uri="{FF2B5EF4-FFF2-40B4-BE49-F238E27FC236}">
-                <a16:creationId xmlns:a16="http://schemas.microsoft.com/office/drawing/2014/main" id="{E5050000-02BB-49AF-91CC-057FE401129A}"/>
+                <a16:creationId xmlns:a16="http://schemas.microsoft.com/office/drawing/2014/main" id="{A8B69B3C-AC6C-1ABE-11DB-B562BC2C837D}"/>
               </a:ext>
             </a:extLst>
           </p:cNvPr>
@@ -2411,7 +2411,7 @@
           <p:cNvPr id="7" name="灯片编号占位符 6">
             <a:extLst>
               <a:ext uri="{FF2B5EF4-FFF2-40B4-BE49-F238E27FC236}">
-                <a16:creationId xmlns:a16="http://schemas.microsoft.com/office/drawing/2014/main" id="{9A117DE3-1079-A7BC-C8BB-2CC068F3EC10}"/>
+                <a16:creationId xmlns:a16="http://schemas.microsoft.com/office/drawing/2014/main" id="{ED72A7A6-B977-33B0-7200-2C39E76B763C}"/>
               </a:ext>
             </a:extLst>
           </p:cNvPr>
@@ -2427,7 +2427,7 @@
           <a:bodyPr/>
           <a:lstStyle/>
           <a:p>
-            <a:fld id="{03B988AA-9CCE-4D04-AAA4-E385FC2943C3}" type="slidenum">
+            <a:fld id="{B4D749C8-B891-407E-80BA-1FADAE5730D9}" type="slidenum">
               <a:rPr lang="zh-CN" altLang="en-US" smtClean="0"/>
               <a:t>‹#›</a:t>
             </a:fld>
@@ -2438,7 +2438,7 @@
     </p:spTree>
     <p:extLst>
       <p:ext uri="{BB962C8B-B14F-4D97-AF65-F5344CB8AC3E}">
-        <p14:creationId xmlns:p14="http://schemas.microsoft.com/office/powerpoint/2010/main" val="2802610897"/>
+        <p14:creationId xmlns:p14="http://schemas.microsoft.com/office/powerpoint/2010/main" val="2114502683"/>
       </p:ext>
     </p:extLst>
   </p:cSld>
@@ -2470,7 +2470,7 @@
           <p:cNvPr id="2" name="标题 1">
             <a:extLst>
               <a:ext uri="{FF2B5EF4-FFF2-40B4-BE49-F238E27FC236}">
-                <a16:creationId xmlns:a16="http://schemas.microsoft.com/office/drawing/2014/main" id="{EF302723-A521-2513-F4B5-1EFE6120CF64}"/>
+                <a16:creationId xmlns:a16="http://schemas.microsoft.com/office/drawing/2014/main" id="{54948BA6-B1F1-5AEA-D84E-6B93E453CB14}"/>
               </a:ext>
             </a:extLst>
           </p:cNvPr>
@@ -2507,7 +2507,7 @@
           <p:cNvPr id="3" name="图片占位符 2">
             <a:extLst>
               <a:ext uri="{FF2B5EF4-FFF2-40B4-BE49-F238E27FC236}">
-                <a16:creationId xmlns:a16="http://schemas.microsoft.com/office/drawing/2014/main" id="{F4321ACD-71C0-593C-D71E-939246926D5D}"/>
+                <a16:creationId xmlns:a16="http://schemas.microsoft.com/office/drawing/2014/main" id="{8BF882C5-05AB-94CD-5633-0FE5238CD79B}"/>
               </a:ext>
             </a:extLst>
           </p:cNvPr>
@@ -2574,7 +2574,7 @@
           <p:cNvPr id="4" name="文本占位符 3">
             <a:extLst>
               <a:ext uri="{FF2B5EF4-FFF2-40B4-BE49-F238E27FC236}">
-                <a16:creationId xmlns:a16="http://schemas.microsoft.com/office/drawing/2014/main" id="{4C891C16-DBB1-6729-943F-2EB13FB9836E}"/>
+                <a16:creationId xmlns:a16="http://schemas.microsoft.com/office/drawing/2014/main" id="{D8D84157-C620-1AE2-8444-AF371CDE5FE1}"/>
               </a:ext>
             </a:extLst>
           </p:cNvPr>
@@ -2645,7 +2645,7 @@
           <p:cNvPr id="5" name="日期占位符 4">
             <a:extLst>
               <a:ext uri="{FF2B5EF4-FFF2-40B4-BE49-F238E27FC236}">
-                <a16:creationId xmlns:a16="http://schemas.microsoft.com/office/drawing/2014/main" id="{953C2AAA-19CF-CEDC-FF09-7D9702880100}"/>
+                <a16:creationId xmlns:a16="http://schemas.microsoft.com/office/drawing/2014/main" id="{DC3930C3-7CBE-9C9C-F70A-C9D0030F3B82}"/>
               </a:ext>
             </a:extLst>
           </p:cNvPr>
@@ -2661,7 +2661,7 @@
           <a:bodyPr/>
           <a:lstStyle/>
           <a:p>
-            <a:fld id="{094C358A-BF07-4256-8CCA-CD74960FE64A}" type="datetimeFigureOut">
+            <a:fld id="{EB042C7B-7ECC-4508-8F65-FE41EF6D8E46}" type="datetimeFigureOut">
               <a:rPr lang="zh-CN" altLang="en-US" smtClean="0"/>
               <a:t>2024/3/10</a:t>
             </a:fld>
@@ -2674,7 +2674,7 @@
           <p:cNvPr id="6" name="页脚占位符 5">
             <a:extLst>
               <a:ext uri="{FF2B5EF4-FFF2-40B4-BE49-F238E27FC236}">
-                <a16:creationId xmlns:a16="http://schemas.microsoft.com/office/drawing/2014/main" id="{F4058D13-F2E2-836A-D71D-FE5FAB79306D}"/>
+                <a16:creationId xmlns:a16="http://schemas.microsoft.com/office/drawing/2014/main" id="{60FC173F-46ED-1979-0494-3E14BFCEBB93}"/>
               </a:ext>
             </a:extLst>
           </p:cNvPr>
@@ -2699,7 +2699,7 @@
           <p:cNvPr id="7" name="灯片编号占位符 6">
             <a:extLst>
               <a:ext uri="{FF2B5EF4-FFF2-40B4-BE49-F238E27FC236}">
-                <a16:creationId xmlns:a16="http://schemas.microsoft.com/office/drawing/2014/main" id="{D38DDDDE-EAC6-646E-0A64-82FF9391269F}"/>
+                <a16:creationId xmlns:a16="http://schemas.microsoft.com/office/drawing/2014/main" id="{CE2BC658-6A5F-8348-193F-CE93DC3A3C63}"/>
               </a:ext>
             </a:extLst>
           </p:cNvPr>
@@ -2715,7 +2715,7 @@
           <a:bodyPr/>
           <a:lstStyle/>
           <a:p>
-            <a:fld id="{03B988AA-9CCE-4D04-AAA4-E385FC2943C3}" type="slidenum">
+            <a:fld id="{B4D749C8-B891-407E-80BA-1FADAE5730D9}" type="slidenum">
               <a:rPr lang="zh-CN" altLang="en-US" smtClean="0"/>
               <a:t>‹#›</a:t>
             </a:fld>
@@ -2726,7 +2726,7 @@
     </p:spTree>
     <p:extLst>
       <p:ext uri="{BB962C8B-B14F-4D97-AF65-F5344CB8AC3E}">
-        <p14:creationId xmlns:p14="http://schemas.microsoft.com/office/powerpoint/2010/main" val="665269522"/>
+        <p14:creationId xmlns:p14="http://schemas.microsoft.com/office/powerpoint/2010/main" val="3096836439"/>
       </p:ext>
     </p:extLst>
   </p:cSld>
@@ -2763,7 +2763,7 @@
           <p:cNvPr id="2" name="标题占位符 1">
             <a:extLst>
               <a:ext uri="{FF2B5EF4-FFF2-40B4-BE49-F238E27FC236}">
-                <a16:creationId xmlns:a16="http://schemas.microsoft.com/office/drawing/2014/main" id="{9138936E-00D0-FF42-6CCC-6F1B53FF8EF4}"/>
+                <a16:creationId xmlns:a16="http://schemas.microsoft.com/office/drawing/2014/main" id="{5042CF60-3400-4A1C-E409-F099DD33178F}"/>
               </a:ext>
             </a:extLst>
           </p:cNvPr>
@@ -2801,7 +2801,7 @@
           <p:cNvPr id="3" name="文本占位符 2">
             <a:extLst>
               <a:ext uri="{FF2B5EF4-FFF2-40B4-BE49-F238E27FC236}">
-                <a16:creationId xmlns:a16="http://schemas.microsoft.com/office/drawing/2014/main" id="{AA83D809-4DFF-FD6A-32B4-49533A081AE8}"/>
+                <a16:creationId xmlns:a16="http://schemas.microsoft.com/office/drawing/2014/main" id="{200EE86C-0A01-BF5A-727A-3A9E20E069FB}"/>
               </a:ext>
             </a:extLst>
           </p:cNvPr>
@@ -2868,7 +2868,7 @@
           <p:cNvPr id="4" name="日期占位符 3">
             <a:extLst>
               <a:ext uri="{FF2B5EF4-FFF2-40B4-BE49-F238E27FC236}">
-                <a16:creationId xmlns:a16="http://schemas.microsoft.com/office/drawing/2014/main" id="{DC25ECEE-1A9C-C794-56C5-111BF96BFA15}"/>
+                <a16:creationId xmlns:a16="http://schemas.microsoft.com/office/drawing/2014/main" id="{73D391EF-7D3D-B4BA-A718-4B62E8618DA2}"/>
               </a:ext>
             </a:extLst>
           </p:cNvPr>
@@ -2902,7 +2902,7 @@
             </a:lvl1pPr>
           </a:lstStyle>
           <a:p>
-            <a:fld id="{094C358A-BF07-4256-8CCA-CD74960FE64A}" type="datetimeFigureOut">
+            <a:fld id="{EB042C7B-7ECC-4508-8F65-FE41EF6D8E46}" type="datetimeFigureOut">
               <a:rPr lang="zh-CN" altLang="en-US" smtClean="0"/>
               <a:t>2024/3/10</a:t>
             </a:fld>
@@ -2915,7 +2915,7 @@
           <p:cNvPr id="5" name="页脚占位符 4">
             <a:extLst>
               <a:ext uri="{FF2B5EF4-FFF2-40B4-BE49-F238E27FC236}">
-                <a16:creationId xmlns:a16="http://schemas.microsoft.com/office/drawing/2014/main" id="{46B3A9D5-BC92-5314-E9C8-09E40BD7FC22}"/>
+                <a16:creationId xmlns:a16="http://schemas.microsoft.com/office/drawing/2014/main" id="{4482647E-0871-2267-0656-13EB28B89F0C}"/>
               </a:ext>
             </a:extLst>
           </p:cNvPr>
@@ -2958,7 +2958,7 @@
           <p:cNvPr id="6" name="灯片编号占位符 5">
             <a:extLst>
               <a:ext uri="{FF2B5EF4-FFF2-40B4-BE49-F238E27FC236}">
-                <a16:creationId xmlns:a16="http://schemas.microsoft.com/office/drawing/2014/main" id="{2CB6D2A4-03C2-DE97-8E38-2DD187588909}"/>
+                <a16:creationId xmlns:a16="http://schemas.microsoft.com/office/drawing/2014/main" id="{28386683-876B-6DBF-CB8C-DC54E04A712F}"/>
               </a:ext>
             </a:extLst>
           </p:cNvPr>
@@ -2992,7 +2992,7 @@
             </a:lvl1pPr>
           </a:lstStyle>
           <a:p>
-            <a:fld id="{03B988AA-9CCE-4D04-AAA4-E385FC2943C3}" type="slidenum">
+            <a:fld id="{B4D749C8-B891-407E-80BA-1FADAE5730D9}" type="slidenum">
               <a:rPr lang="zh-CN" altLang="en-US" smtClean="0"/>
               <a:t>‹#›</a:t>
             </a:fld>
@@ -3003,7 +3003,7 @@
     </p:spTree>
     <p:extLst>
       <p:ext uri="{BB962C8B-B14F-4D97-AF65-F5344CB8AC3E}">
-        <p14:creationId xmlns:p14="http://schemas.microsoft.com/office/powerpoint/2010/main" val="3402391196"/>
+        <p14:creationId xmlns:p14="http://schemas.microsoft.com/office/powerpoint/2010/main" val="3406651429"/>
       </p:ext>
     </p:extLst>
   </p:cSld>
@@ -3323,7 +3323,7 @@
       </p:grpSpPr>
       <p:pic>
         <p:nvPicPr>
-          <p:cNvPr id="926722" name="Picture 2" descr="904"/>
+          <p:cNvPr id="927746" name="Picture 2" descr="905"/>
           <p:cNvPicPr>
             <a:picLocks noChangeAspect="1" noChangeArrowheads="1"/>
           </p:cNvPicPr>
@@ -3345,7 +3345,7 @@
         <p:spPr bwMode="auto">
           <a:xfrm>
             <a:off x="1524000" y="0"/>
-            <a:ext cx="9124950" cy="6165850"/>
+            <a:ext cx="9144000" cy="6858000"/>
           </a:xfrm>
           <a:prstGeom prst="rect">
             <a:avLst/>
